--- a/test/files/star.pptx
+++ b/test/files/star.pptx
@@ -280,7 +280,7 @@
           <a:p>
             <a:fld id="{D088612F-EC31-46A3-9368-8280C5A6C7FD}" type="datetimeFigureOut">
               <a:rPr lang="en-US" smtClean="0"/>
-              <a:t>3/22/2019</a:t>
+              <a:t>2/27/2020</a:t>
             </a:fld>
             <a:endParaRPr lang="en-US"/>
           </a:p>
@@ -478,7 +478,7 @@
           <a:p>
             <a:fld id="{D088612F-EC31-46A3-9368-8280C5A6C7FD}" type="datetimeFigureOut">
               <a:rPr lang="en-US" smtClean="0"/>
-              <a:t>3/22/2019</a:t>
+              <a:t>2/27/2020</a:t>
             </a:fld>
             <a:endParaRPr lang="en-US"/>
           </a:p>
@@ -686,7 +686,7 @@
           <a:p>
             <a:fld id="{D088612F-EC31-46A3-9368-8280C5A6C7FD}" type="datetimeFigureOut">
               <a:rPr lang="en-US" smtClean="0"/>
-              <a:t>3/22/2019</a:t>
+              <a:t>2/27/2020</a:t>
             </a:fld>
             <a:endParaRPr lang="en-US"/>
           </a:p>
@@ -884,7 +884,7 @@
           <a:p>
             <a:fld id="{D088612F-EC31-46A3-9368-8280C5A6C7FD}" type="datetimeFigureOut">
               <a:rPr lang="en-US" smtClean="0"/>
-              <a:t>3/22/2019</a:t>
+              <a:t>2/27/2020</a:t>
             </a:fld>
             <a:endParaRPr lang="en-US"/>
           </a:p>
@@ -1159,7 +1159,7 @@
           <a:p>
             <a:fld id="{D088612F-EC31-46A3-9368-8280C5A6C7FD}" type="datetimeFigureOut">
               <a:rPr lang="en-US" smtClean="0"/>
-              <a:t>3/22/2019</a:t>
+              <a:t>2/27/2020</a:t>
             </a:fld>
             <a:endParaRPr lang="en-US"/>
           </a:p>
@@ -1424,7 +1424,7 @@
           <a:p>
             <a:fld id="{D088612F-EC31-46A3-9368-8280C5A6C7FD}" type="datetimeFigureOut">
               <a:rPr lang="en-US" smtClean="0"/>
-              <a:t>3/22/2019</a:t>
+              <a:t>2/27/2020</a:t>
             </a:fld>
             <a:endParaRPr lang="en-US"/>
           </a:p>
@@ -1836,7 +1836,7 @@
           <a:p>
             <a:fld id="{D088612F-EC31-46A3-9368-8280C5A6C7FD}" type="datetimeFigureOut">
               <a:rPr lang="en-US" smtClean="0"/>
-              <a:t>3/22/2019</a:t>
+              <a:t>2/27/2020</a:t>
             </a:fld>
             <a:endParaRPr lang="en-US"/>
           </a:p>
@@ -1977,7 +1977,7 @@
           <a:p>
             <a:fld id="{D088612F-EC31-46A3-9368-8280C5A6C7FD}" type="datetimeFigureOut">
               <a:rPr lang="en-US" smtClean="0"/>
-              <a:t>3/22/2019</a:t>
+              <a:t>2/27/2020</a:t>
             </a:fld>
             <a:endParaRPr lang="en-US"/>
           </a:p>
@@ -2090,7 +2090,7 @@
           <a:p>
             <a:fld id="{D088612F-EC31-46A3-9368-8280C5A6C7FD}" type="datetimeFigureOut">
               <a:rPr lang="en-US" smtClean="0"/>
-              <a:t>3/22/2019</a:t>
+              <a:t>2/27/2020</a:t>
             </a:fld>
             <a:endParaRPr lang="en-US"/>
           </a:p>
@@ -2401,7 +2401,7 @@
           <a:p>
             <a:fld id="{D088612F-EC31-46A3-9368-8280C5A6C7FD}" type="datetimeFigureOut">
               <a:rPr lang="en-US" smtClean="0"/>
-              <a:t>3/22/2019</a:t>
+              <a:t>2/27/2020</a:t>
             </a:fld>
             <a:endParaRPr lang="en-US"/>
           </a:p>
@@ -2689,7 +2689,7 @@
           <a:p>
             <a:fld id="{D088612F-EC31-46A3-9368-8280C5A6C7FD}" type="datetimeFigureOut">
               <a:rPr lang="en-US" smtClean="0"/>
-              <a:t>3/22/2019</a:t>
+              <a:t>2/27/2020</a:t>
             </a:fld>
             <a:endParaRPr lang="en-US"/>
           </a:p>
@@ -2930,7 +2930,7 @@
           <a:p>
             <a:fld id="{D088612F-EC31-46A3-9368-8280C5A6C7FD}" type="datetimeFigureOut">
               <a:rPr lang="en-US" smtClean="0"/>
-              <a:t>3/22/2019</a:t>
+              <a:t>2/27/2020</a:t>
             </a:fld>
             <a:endParaRPr lang="en-US"/>
           </a:p>
@@ -3410,8 +3410,29 @@
                   <a:sysClr val="windowText" lastClr="000000"/>
                 </a:solidFill>
               </a:rPr>
-              <a:t>star</a:t>
-            </a:r>
+              <a:t>{{</a:t>
+            </a:r>
+            <a:r>
+              <a:rPr lang="en-US" dirty="0" err="1">
+                <a:solidFill>
+                  <a:sysClr val="windowText" lastClr="000000"/>
+                </a:solidFill>
+              </a:rPr>
+              <a:t>test_text</a:t>
+            </a:r>
+            <a:r>
+              <a:rPr lang="en-US">
+                <a:solidFill>
+                  <a:sysClr val="windowText" lastClr="000000"/>
+                </a:solidFill>
+              </a:rPr>
+              <a:t>}}</a:t>
+            </a:r>
+            <a:endParaRPr lang="en-US" dirty="0">
+              <a:solidFill>
+                <a:sysClr val="windowText" lastClr="000000"/>
+              </a:solidFill>
+            </a:endParaRPr>
           </a:p>
         </p:txBody>
       </p:sp>
